--- a/docs/IFJ-Prezentace.pptx
+++ b/docs/IFJ-Prezentace.pptx
@@ -10413,7 +10413,19 @@
           <a:bodyPr/>
           <a:lstStyle/>
           <a:p>
-            <a:endParaRPr lang="cs-CZ"/>
+            <a:r>
+              <a:rPr lang="cs-CZ" dirty="0"/>
+              <a:t>Načtení lexémů ze STDIN</a:t>
+            </a:r>
+          </a:p>
+          <a:p>
+            <a:r>
+              <a:rPr lang="cs-CZ" dirty="0"/>
+              <a:t>Z lexémů se stávají tokeny </a:t>
+            </a:r>
+          </a:p>
+          <a:p>
+            <a:endParaRPr lang="cs-CZ" dirty="0"/>
           </a:p>
         </p:txBody>
       </p:sp>
@@ -10746,10 +10758,33 @@
         </p:nvSpPr>
         <p:spPr/>
         <p:txBody>
-          <a:bodyPr/>
+          <a:bodyPr>
+            <a:normAutofit/>
+          </a:bodyPr>
           <a:lstStyle/>
           <a:p>
-            <a:endParaRPr lang="cs-CZ" dirty="0"/>
+            <a:r>
+              <a:rPr lang="cs-CZ" sz="2800" dirty="0"/>
+              <a:t>Rozdělení práce</a:t>
+            </a:r>
+          </a:p>
+          <a:p>
+            <a:r>
+              <a:rPr lang="cs-CZ" sz="2800" dirty="0"/>
+              <a:t>Komunikace</a:t>
+            </a:r>
+          </a:p>
+          <a:p>
+            <a:r>
+              <a:rPr lang="cs-CZ" sz="2800" dirty="0"/>
+              <a:t>Pracovní metody</a:t>
+            </a:r>
+          </a:p>
+          <a:p>
+            <a:r>
+              <a:rPr lang="cs-CZ" sz="2800" dirty="0"/>
+              <a:t>Použité nástroje</a:t>
+            </a:r>
           </a:p>
         </p:txBody>
       </p:sp>
